--- a/Slides/20486Core_01.pptx
+++ b/Slides/20486Core_01.pptx
@@ -38,37 +38,37 @@
   <p:notesSz cx="6858000" cy="9144000"/>
   <p:embeddedFontLst>
     <p:embeddedFont>
-      <p:font typeface="Segoe Light" panose="020B0604020202020204" charset="0"/>
+      <p:font typeface="Calibri" panose="020F0502020204030204" pitchFamily="34" charset="0"/>
       <p:regular r:id="rId28"/>
-      <p:italic r:id="rId29"/>
+      <p:bold r:id="rId29"/>
+      <p:italic r:id="rId30"/>
+      <p:boldItalic r:id="rId31"/>
+    </p:embeddedFont>
+    <p:embeddedFont>
+      <p:font typeface="Arial Unicode MS" panose="020B0604020202020204" charset="-128"/>
+      <p:regular r:id="rId32"/>
+    </p:embeddedFont>
+    <p:embeddedFont>
+      <p:font typeface="Verdana" panose="020B0604030504040204" pitchFamily="34" charset="0"/>
+      <p:regular r:id="rId33"/>
+      <p:bold r:id="rId34"/>
+      <p:italic r:id="rId35"/>
+      <p:boldItalic r:id="rId36"/>
+    </p:embeddedFont>
+    <p:embeddedFont>
+      <p:font typeface="Segoe UI Light" panose="020B0502040204020203" pitchFamily="34" charset="0"/>
+      <p:regular r:id="rId37"/>
+      <p:italic r:id="rId38"/>
     </p:embeddedFont>
     <p:embeddedFont>
       <p:font typeface="Segoe UI" panose="020B0502040204020203" pitchFamily="34" charset="0"/>
-      <p:regular r:id="rId30"/>
-      <p:bold r:id="rId31"/>
-      <p:italic r:id="rId32"/>
-      <p:boldItalic r:id="rId33"/>
-    </p:embeddedFont>
-    <p:embeddedFont>
-      <p:font typeface="Calibri" panose="020F0502020204030204" pitchFamily="34" charset="0"/>
-      <p:regular r:id="rId34"/>
-      <p:bold r:id="rId35"/>
-      <p:italic r:id="rId36"/>
-      <p:boldItalic r:id="rId37"/>
-    </p:embeddedFont>
-    <p:embeddedFont>
-      <p:font typeface="Arial Unicode MS" panose="020B0604020202020204" charset="-128"/>
-      <p:regular r:id="rId38"/>
-    </p:embeddedFont>
-    <p:embeddedFont>
-      <p:font typeface="Verdana" panose="020B0604030504040204" pitchFamily="34" charset="0"/>
       <p:regular r:id="rId39"/>
       <p:bold r:id="rId40"/>
       <p:italic r:id="rId41"/>
       <p:boldItalic r:id="rId42"/>
     </p:embeddedFont>
     <p:embeddedFont>
-      <p:font typeface="Segoe UI Light" panose="020B0502040204020203" pitchFamily="34" charset="0"/>
+      <p:font typeface="Segoe Light" panose="020B0604020202020204" charset="0"/>
       <p:regular r:id="rId43"/>
       <p:italic r:id="rId44"/>
     </p:embeddedFont>
@@ -287,7 +287,7 @@
             <a:fld id="{46FA65D3-47E2-4F8C-B4D9-624C245E408D}" type="datetimeFigureOut">
               <a:rPr lang="en-US" smtClean="0"/>
               <a:pPr/>
-              <a:t>11/8/2016</a:t>
+              <a:t>12/20/2016</a:t>
             </a:fld>
             <a:endParaRPr lang="en-US"/>
           </a:p>
@@ -1730,8 +1730,8 @@
         </p:nvSpPr>
         <p:spPr>
           <a:xfrm>
-            <a:off x="4325111" y="73151"/>
-            <a:ext cx="2468880" cy="1851660"/>
+            <a:off x="4325938" y="73025"/>
+            <a:ext cx="2466975" cy="1851025"/>
           </a:xfrm>
         </p:spPr>
       </p:sp>
@@ -2021,8 +2021,8 @@
         </p:nvSpPr>
         <p:spPr>
           <a:xfrm>
-            <a:off x="4325111" y="73151"/>
-            <a:ext cx="2468880" cy="1851660"/>
+            <a:off x="4325938" y="73025"/>
+            <a:ext cx="2466975" cy="1851025"/>
           </a:xfrm>
         </p:spPr>
       </p:sp>
@@ -2957,8 +2957,8 @@
         </p:nvSpPr>
         <p:spPr>
           <a:xfrm>
-            <a:off x="4325111" y="73151"/>
-            <a:ext cx="2468880" cy="1851660"/>
+            <a:off x="4325938" y="73025"/>
+            <a:ext cx="2466975" cy="1851025"/>
           </a:xfrm>
         </p:spPr>
       </p:sp>
@@ -4016,8 +4016,8 @@
         </p:nvSpPr>
         <p:spPr>
           <a:xfrm>
-            <a:off x="4325111" y="73151"/>
-            <a:ext cx="2468880" cy="1851660"/>
+            <a:off x="4325938" y="73025"/>
+            <a:ext cx="2466975" cy="1851025"/>
           </a:xfrm>
         </p:spPr>
       </p:sp>
@@ -5139,8 +5139,8 @@
         </p:nvSpPr>
         <p:spPr>
           <a:xfrm>
-            <a:off x="4325111" y="73151"/>
-            <a:ext cx="2468880" cy="1851660"/>
+            <a:off x="4325938" y="73025"/>
+            <a:ext cx="2466975" cy="1851025"/>
           </a:xfrm>
         </p:spPr>
       </p:sp>
@@ -6256,8 +6256,8 @@
         </p:nvSpPr>
         <p:spPr>
           <a:xfrm>
-            <a:off x="4325111" y="73151"/>
-            <a:ext cx="2468880" cy="1851660"/>
+            <a:off x="4325938" y="73025"/>
+            <a:ext cx="2466975" cy="1851025"/>
           </a:xfrm>
         </p:spPr>
       </p:sp>
@@ -7871,8 +7871,8 @@
         </p:nvSpPr>
         <p:spPr>
           <a:xfrm>
-            <a:off x="4325111" y="73151"/>
-            <a:ext cx="2468880" cy="1851660"/>
+            <a:off x="4325938" y="73025"/>
+            <a:ext cx="2466975" cy="1851025"/>
           </a:xfrm>
         </p:spPr>
       </p:sp>
@@ -9030,8 +9030,8 @@
         </p:nvSpPr>
         <p:spPr>
           <a:xfrm>
-            <a:off x="4325111" y="73151"/>
-            <a:ext cx="2468880" cy="1851660"/>
+            <a:off x="4325938" y="73025"/>
+            <a:ext cx="2466975" cy="1851025"/>
           </a:xfrm>
         </p:spPr>
       </p:sp>
@@ -9654,8 +9654,8 @@
         </p:nvSpPr>
         <p:spPr>
           <a:xfrm>
-            <a:off x="4325111" y="73151"/>
-            <a:ext cx="2468880" cy="1851660"/>
+            <a:off x="4325938" y="73025"/>
+            <a:ext cx="2466975" cy="1851025"/>
           </a:xfrm>
         </p:spPr>
       </p:sp>
@@ -11819,8 +11819,8 @@
         </p:nvSpPr>
         <p:spPr>
           <a:xfrm>
-            <a:off x="4325111" y="73151"/>
-            <a:ext cx="2468880" cy="1851660"/>
+            <a:off x="4325938" y="73025"/>
+            <a:ext cx="2466975" cy="1851025"/>
           </a:xfrm>
         </p:spPr>
       </p:sp>
@@ -15048,19 +15048,15 @@
             <a:spLocks noGrp="1"/>
           </p:cNvSpPr>
           <p:nvPr>
-            <p:ph type="ctrTitle" sz="quarter"/>
+            <p:ph type="title"/>
           </p:nvPr>
         </p:nvSpPr>
-        <p:spPr>
-          <a:xfrm>
-            <a:off x="3106782" y="3169492"/>
-            <a:ext cx="5732417" cy="340093"/>
-          </a:xfrm>
-        </p:spPr>
+        <p:spPr/>
         <p:txBody>
           <a:bodyPr/>
           <a:lstStyle/>
           <a:p>
+            <a:pPr algn="ctr"/>
             <a:r>
               <a:rPr lang="en-US" sz="2600" smtClean="0"/>
               <a:t>Module01</a:t>
@@ -15076,28 +15072,30 @@
             <a:spLocks noGrp="1"/>
           </p:cNvSpPr>
           <p:nvPr>
-            <p:ph type="subTitle" sz="quarter" idx="1"/>
+            <p:ph idx="1"/>
           </p:nvPr>
         </p:nvSpPr>
         <p:spPr/>
         <p:txBody>
-          <a:bodyPr/>
+          <a:bodyPr anchor="ctr"/>
           <a:lstStyle/>
           <a:p>
-            <a:r>
-              <a:rPr lang="en-US" dirty="0" smtClean="0"/>
-              <a:t>Exploring ASP.NET MVC </a:t>
-            </a:r>
-            <a:r>
-              <a:rPr lang="en-US" dirty="0" smtClean="0"/>
+            <a:pPr marL="0" indent="0" algn="ctr">
+              <a:buNone/>
+            </a:pPr>
+            <a:r>
+              <a:rPr lang="en-US" sz="4800" dirty="0" smtClean="0"/>
+              <a:t>Exploring</a:t>
+            </a:r>
+            <a:r>
+              <a:rPr lang="en-US" sz="4000" dirty="0" smtClean="0"/>
+              <a:t> ASP.NET MVC </a:t>
+            </a:r>
+            <a:r>
+              <a:rPr lang="en-US" sz="4000" dirty="0" smtClean="0"/>
               <a:t>Core</a:t>
             </a:r>
-            <a:r>
-              <a:rPr lang="en-US" dirty="0" smtClean="0"/>
-              <a:t>
-</a:t>
-            </a:r>
-            <a:endParaRPr lang="en-US" dirty="0"/>
+            <a:endParaRPr lang="en-US" sz="4000" dirty="0"/>
           </a:p>
         </p:txBody>
       </p:sp>
@@ -15143,11 +15141,7 @@
           <a:p>
             <a:r>
               <a:rPr lang="en-US" dirty="0" smtClean="0"/>
-              <a:t>Lesson 2: Overview of ASP.NET </a:t>
-            </a:r>
-            <a:r>
-              <a:rPr lang="en-US" dirty="0" smtClean="0"/>
-              <a:t>Core</a:t>
+              <a:t>Lesson 2: Overview of ASP.NET Core</a:t>
             </a:r>
             <a:endParaRPr lang="en-US" dirty="0"/>
           </a:p>
@@ -15593,11 +15587,7 @@
           <a:p>
             <a:r>
               <a:rPr lang="en-US" dirty="0" smtClean="0"/>
-              <a:t>ASP.NET </a:t>
-            </a:r>
-            <a:r>
-              <a:rPr lang="en-US" dirty="0" smtClean="0"/>
-              <a:t>Features</a:t>
+              <a:t>ASP.NET Features</a:t>
             </a:r>
             <a:endParaRPr lang="en-US" dirty="0"/>
           </a:p>
@@ -15925,11 +15915,7 @@
           <a:p>
             <a:r>
               <a:rPr lang="en-US" dirty="0" smtClean="0"/>
-              <a:t>Lesson 3: Introduction to ASP.NET MVC </a:t>
-            </a:r>
-            <a:r>
-              <a:rPr lang="en-US" dirty="0" smtClean="0"/>
-              <a:t>Core</a:t>
+              <a:t>Lesson 3: Introduction to ASP.NET MVC Core</a:t>
             </a:r>
             <a:endParaRPr lang="en-US" dirty="0"/>
           </a:p>
@@ -15953,11 +15939,7 @@
             <a:r>
               <a:rPr lang="en-US" dirty="0" smtClean="0"/>
               <a:t>Models, Views, and Controllers
-Demonstration: How to Explore an MVC </a:t>
-            </a:r>
-            <a:r>
-              <a:rPr lang="en-US" dirty="0" smtClean="0"/>
-              <a:t>Application</a:t>
+Demonstration: How to Explore an MVC Application</a:t>
             </a:r>
             <a:endParaRPr lang="en-US" dirty="0"/>
           </a:p>
@@ -18550,29 +18532,9 @@
           <a:p>
             <a:r>
               <a:rPr lang="en-US" dirty="0" smtClean="0"/>
-              <a:t>Overview of </a:t>
-            </a:r>
-            <a:r>
-              <a:rPr lang="en-US" dirty="0" smtClean="0"/>
-              <a:t>Web </a:t>
-            </a:r>
-            <a:r>
-              <a:rPr lang="en-US" dirty="0" smtClean="0"/>
-              <a:t>Technologies
-Overview of ASP.NET </a:t>
-            </a:r>
-            <a:r>
-              <a:rPr lang="en-US" dirty="0" smtClean="0"/>
-              <a:t>Core</a:t>
-            </a:r>
-            <a:r>
-              <a:rPr lang="en-US" dirty="0" smtClean="0"/>
-              <a:t>
-Introduction to ASP.NET MVC </a:t>
-            </a:r>
-            <a:r>
-              <a:rPr lang="en-US" dirty="0" smtClean="0"/>
-              <a:t>Core</a:t>
+              <a:t>Overview of Web Technologies
+Overview of ASP.NET Core
+Introduction to ASP.NET MVC Core</a:t>
             </a:r>
             <a:endParaRPr lang="en-US" dirty="0"/>
           </a:p>
@@ -18620,11 +18582,7 @@
           <a:p>
             <a:r>
               <a:rPr lang="en-US" dirty="0" smtClean="0"/>
-              <a:t>Lab: Exploring ASP.NET MVC </a:t>
-            </a:r>
-            <a:r>
-              <a:rPr lang="en-US" dirty="0" smtClean="0"/>
-              <a:t>Core</a:t>
+              <a:t>Lab: Exploring ASP.NET MVC Core</a:t>
             </a:r>
             <a:endParaRPr lang="en-US" dirty="0"/>
           </a:p>
@@ -18647,28 +18605,8 @@
           <a:p>
             <a:r>
               <a:rPr lang="en-US" dirty="0" smtClean="0"/>
-              <a:t>Exercise 1: Exploring a Photo Sharing </a:t>
-            </a:r>
-            <a:r>
-              <a:rPr lang="en-US" dirty="0" smtClean="0"/>
-              <a:t>Application</a:t>
-            </a:r>
-            <a:r>
-              <a:rPr lang="en-US" dirty="0" smtClean="0"/>
-              <a:t>
-Exercise </a:t>
-            </a:r>
-            <a:r>
-              <a:rPr lang="en-US" dirty="0" smtClean="0"/>
-              <a:t>2: </a:t>
-            </a:r>
-            <a:r>
-              <a:rPr lang="en-US" dirty="0" smtClean="0"/>
-              <a:t>Exploring an MVC </a:t>
-            </a:r>
-            <a:r>
-              <a:rPr lang="en-US" dirty="0" smtClean="0"/>
-              <a:t>Application Core</a:t>
+              <a:t>Exercise 1: Exploring a Photo Sharing Application
+Exercise 2: Exploring an MVC Application Core</a:t>
             </a:r>
             <a:endParaRPr lang="en-US" dirty="0"/>
           </a:p>
@@ -19215,15 +19153,7 @@
           <a:p>
             <a:r>
               <a:rPr lang="en-US" dirty="0" smtClean="0"/>
-              <a:t>Lesson 1: Overview of </a:t>
-            </a:r>
-            <a:r>
-              <a:rPr lang="en-US" dirty="0" smtClean="0"/>
-              <a:t>Web </a:t>
-            </a:r>
-            <a:r>
-              <a:rPr lang="en-US" dirty="0" smtClean="0"/>
-              <a:t>Technologies</a:t>
+              <a:t>Lesson 1: Overview of Web Technologies</a:t>
             </a:r>
             <a:endParaRPr lang="en-US" dirty="0"/>
           </a:p>
@@ -19246,39 +19176,11 @@
           <a:p>
             <a:r>
               <a:rPr lang="en-US" dirty="0" smtClean="0"/>
-              <a:t>Introduction to </a:t>
-            </a:r>
-            <a:r>
-              <a:rPr lang="en-US" dirty="0" smtClean="0"/>
-              <a:t>Web </a:t>
-            </a:r>
-            <a:r>
-              <a:rPr lang="en-US" dirty="0" smtClean="0"/>
-              <a:t>Technologies
-Overview of ASP.NET </a:t>
-            </a:r>
-            <a:r>
-              <a:rPr lang="en-US" dirty="0" smtClean="0"/>
-              <a:t>Core</a:t>
-            </a:r>
-            <a:r>
-              <a:rPr lang="en-US" dirty="0" smtClean="0"/>
-              <a:t>
+              <a:t>Introduction to Web Technologies
+Overview of ASP.NET Core
 Client-Side Web Technologies
-</a:t>
-            </a:r>
-            <a:r>
-              <a:rPr lang="en-US" dirty="0" smtClean="0"/>
-              <a:t>Web Servers</a:t>
-            </a:r>
-            <a:r>
-              <a:rPr lang="en-US" dirty="0" smtClean="0"/>
-              <a:t>
-Windows </a:t>
-            </a:r>
-            <a:r>
-              <a:rPr lang="en-US" dirty="0" smtClean="0"/>
-              <a:t>Azure</a:t>
+Web Servers
+Windows Azure</a:t>
             </a:r>
           </a:p>
           <a:p>
@@ -19332,15 +19234,7 @@
           <a:p>
             <a:r>
               <a:rPr lang="en-US" dirty="0" smtClean="0"/>
-              <a:t>Introduction to </a:t>
-            </a:r>
-            <a:r>
-              <a:rPr lang="en-US" dirty="0" smtClean="0"/>
-              <a:t>Web </a:t>
-            </a:r>
-            <a:r>
-              <a:rPr lang="en-US" dirty="0" smtClean="0"/>
-              <a:t>Technologies</a:t>
+              <a:t>Introduction to Web Technologies</a:t>
             </a:r>
             <a:endParaRPr lang="en-US" dirty="0"/>
           </a:p>
@@ -20411,11 +20305,7 @@
             </a:pPr>
             <a:r>
               <a:rPr lang="en-GB" sz="2200" b="0" dirty="0" smtClean="0"/>
-              <a:t>SQL </a:t>
-            </a:r>
-            <a:r>
-              <a:rPr lang="en-GB" sz="2200" b="0" dirty="0" smtClean="0"/>
-              <a:t>Server</a:t>
+              <a:t>SQL Server</a:t>
             </a:r>
           </a:p>
           <a:p>
@@ -20449,7 +20339,6 @@
               <a:rPr lang="en-GB" sz="2200" b="0" dirty="0" smtClean="0"/>
               <a:t>(NoSQL)</a:t>
             </a:r>
-            <a:endParaRPr lang="en-GB" sz="2200" b="0" dirty="0" smtClean="0"/>
           </a:p>
           <a:p>
             <a:pPr marL="285750" indent="-285750">
@@ -20657,11 +20546,7 @@
             </a:pPr>
             <a:r>
               <a:rPr lang="en-GB" sz="2200" b="0" dirty="0" smtClean="0"/>
-              <a:t>Visual </a:t>
-            </a:r>
-            <a:r>
-              <a:rPr lang="en-GB" sz="2200" b="0" dirty="0" smtClean="0"/>
-              <a:t>Studio</a:t>
+              <a:t>Visual Studio</a:t>
             </a:r>
           </a:p>
           <a:p>
@@ -20671,11 +20556,7 @@
             </a:pPr>
             <a:r>
               <a:rPr lang="en-GB" sz="2200" b="0" dirty="0" smtClean="0"/>
-              <a:t>Visual Studio </a:t>
-            </a:r>
-            <a:r>
-              <a:rPr lang="en-GB" sz="2200" b="0" dirty="0" smtClean="0"/>
-              <a:t>Code</a:t>
+              <a:t>Visual Studio Code</a:t>
             </a:r>
           </a:p>
           <a:p>
@@ -21003,7 +20884,6 @@
               <a:rPr lang="en-GB" sz="2200" b="0" dirty="0" smtClean="0"/>
               <a:t>JavaScript</a:t>
             </a:r>
-            <a:endParaRPr lang="en-GB" sz="2200" b="0" dirty="0" smtClean="0"/>
           </a:p>
         </p:txBody>
       </p:sp>
@@ -21049,11 +20929,7 @@
           <a:p>
             <a:r>
               <a:rPr lang="en-US" dirty="0" smtClean="0"/>
-              <a:t>Overview of ASP.NET </a:t>
-            </a:r>
-            <a:r>
-              <a:rPr lang="en-US" dirty="0" smtClean="0"/>
-              <a:t>Core</a:t>
+              <a:t>Overview of ASP.NET Core</a:t>
             </a:r>
             <a:endParaRPr lang="en-US" dirty="0"/>
           </a:p>
@@ -21826,11 +21702,7 @@
           <a:p>
             <a:r>
               <a:rPr lang="en-GB" b="0" dirty="0" smtClean="0"/>
-              <a:t>ASP.NET </a:t>
-            </a:r>
-            <a:r>
-              <a:rPr lang="en-GB" b="0" dirty="0" smtClean="0"/>
-              <a:t>Core</a:t>
+              <a:t>ASP.NET Core</a:t>
             </a:r>
             <a:endParaRPr lang="en-GB" b="0" dirty="0"/>
           </a:p>
@@ -22300,7 +22172,6 @@
               <a:rPr lang="en-US" dirty="0" smtClean="0"/>
               <a:t>JavaScript frameworks</a:t>
             </a:r>
-            <a:endParaRPr lang="en-US" dirty="0" smtClean="0"/>
           </a:p>
         </p:txBody>
       </p:sp>
@@ -23435,16 +23306,11 @@
               <a:rPr lang="en-US" dirty="0" smtClean="0"/>
               <a:t>IIS</a:t>
             </a:r>
-            <a:endParaRPr lang="en-US" dirty="0" smtClean="0"/>
           </a:p>
           <a:p>
             <a:r>
               <a:rPr lang="en-US" dirty="0" smtClean="0"/>
-              <a:t>IIS </a:t>
-            </a:r>
-            <a:r>
-              <a:rPr lang="en-US" dirty="0" smtClean="0"/>
-              <a:t>Express</a:t>
+              <a:t>IIS Express</a:t>
             </a:r>
           </a:p>
           <a:p>
@@ -23456,17 +23322,8 @@
           <a:p>
             <a:r>
               <a:rPr lang="en-US" dirty="0" smtClean="0"/>
-              <a:t>Other </a:t>
-            </a:r>
-            <a:r>
-              <a:rPr lang="en-US" dirty="0" smtClean="0"/>
-              <a:t>Web </a:t>
-            </a:r>
-            <a:r>
-              <a:rPr lang="en-US" dirty="0" smtClean="0"/>
-              <a:t>Servers</a:t>
-            </a:r>
-            <a:endParaRPr lang="en-US" dirty="0" smtClean="0"/>
+              <a:t>Other Web Servers</a:t>
+            </a:r>
           </a:p>
         </p:txBody>
       </p:sp>
@@ -24321,11 +24178,7 @@
           <a:p>
             <a:r>
               <a:rPr lang="en-US" dirty="0" smtClean="0"/>
-              <a:t>What Is </a:t>
-            </a:r>
-            <a:r>
-              <a:rPr lang="en-US" dirty="0" smtClean="0"/>
-              <a:t>Docker?</a:t>
+              <a:t>What Is Docker?</a:t>
             </a:r>
             <a:endParaRPr lang="en-US" dirty="0"/>
           </a:p>
@@ -24371,7 +24224,6 @@
               <a:rPr lang="en-US" dirty="0" smtClean="0"/>
               <a:t>Windows</a:t>
             </a:r>
-            <a:endParaRPr lang="en-US" dirty="0" smtClean="0"/>
           </a:p>
         </p:txBody>
       </p:sp>
